--- a/Misc/Presentation_-_User_Roles.pptx
+++ b/Misc/Presentation_-_User_Roles.pptx
@@ -4721,15 +4721,7 @@
           <a:p>
             <a:r>
               <a:rPr lang="en-US" dirty="0" smtClean="0"/>
-              <a:t>Patients will </a:t>
-            </a:r>
-            <a:r>
-              <a:rPr lang="en-US" dirty="0" smtClean="0"/>
-              <a:t>only </a:t>
-            </a:r>
-            <a:r>
-              <a:rPr lang="en-US" dirty="0" smtClean="0"/>
-              <a:t>be associated with one physician.</a:t>
+              <a:t>Patients will only be associated with one physician.</a:t>
             </a:r>
           </a:p>
           <a:p>
@@ -4820,25 +4812,13 @@
           <a:p>
             <a:r>
               <a:rPr lang="en-US" dirty="0" smtClean="0"/>
-              <a:t>Patient accounts will not </a:t>
-            </a:r>
+              <a:t>Patient accounts will not have any personal identifiable information</a:t>
+            </a:r>
+          </a:p>
+          <a:p>
             <a:r>
               <a:rPr lang="en-US" dirty="0" smtClean="0"/>
-              <a:t>have any personal identifiable information</a:t>
-            </a:r>
-          </a:p>
-          <a:p>
-            <a:r>
-              <a:rPr lang="en-US" dirty="0" smtClean="0"/>
-              <a:t>Since there is no PII, password </a:t>
-            </a:r>
-            <a:r>
-              <a:rPr lang="en-US" dirty="0" smtClean="0"/>
-              <a:t>resetting will be performed with either security questions or a temporary password will be mailed to a “call-back email</a:t>
-            </a:r>
-            <a:r>
-              <a:rPr lang="en-US" dirty="0" smtClean="0"/>
-              <a:t>”</a:t>
+              <a:t>Since there is no PII, password resetting will be performed with either security questions or a temporary password will be mailed to a “call-back email”</a:t>
             </a:r>
           </a:p>
           <a:p>
@@ -4852,7 +4832,15 @@
             </a:r>
             <a:r>
               <a:rPr lang="en-US" dirty="0" smtClean="0"/>
-              <a:t>, username, password, age, gender, weight, and location (at a high-level to not be identifiable, i.e. state) </a:t>
+              <a:t>, username, password, age, gender, weight</a:t>
+            </a:r>
+            <a:r>
+              <a:rPr lang="en-US" dirty="0" smtClean="0"/>
+              <a:t>, height </a:t>
+            </a:r>
+            <a:r>
+              <a:rPr lang="en-US" dirty="0" smtClean="0"/>
+              <a:t>and location (at a high-level to not be identifiable, i.e. state) </a:t>
             </a:r>
           </a:p>
           <a:p>
@@ -4860,7 +4848,6 @@
               <a:rPr lang="en-US" dirty="0" smtClean="0"/>
               <a:t>Patients will only be allowed to upload data and view their own data.</a:t>
             </a:r>
-            <a:endParaRPr lang="en-US" dirty="0" smtClean="0"/>
           </a:p>
           <a:p>
             <a:endParaRPr lang="en-US" dirty="0"/>

--- a/Misc/Presentation_-_User_Roles.pptx
+++ b/Misc/Presentation_-_User_Roles.pptx
@@ -11,6 +11,10 @@
     <p:sldId id="258" r:id="rId5"/>
     <p:sldId id="261" r:id="rId6"/>
     <p:sldId id="262" r:id="rId7"/>
+    <p:sldId id="263" r:id="rId8"/>
+    <p:sldId id="264" r:id="rId9"/>
+    <p:sldId id="265" r:id="rId10"/>
+    <p:sldId id="266" r:id="rId11"/>
   </p:sldIdLst>
   <p:sldSz cx="12192000" cy="6858000"/>
   <p:notesSz cx="6858000" cy="9144000"/>
@@ -115,6 +119,32 @@
     </p:ext>
   </p:extLst>
 </p:presentation>
+</file>
+
+<file path=ppt/commentAuthors.xml><?xml version="1.0" encoding="utf-8"?>
+<p:cmAuthorLst xmlns:a="http://schemas.openxmlformats.org/drawingml/2006/main" xmlns:r="http://schemas.openxmlformats.org/officeDocument/2006/relationships" xmlns:p="http://schemas.openxmlformats.org/presentationml/2006/main">
+  <p:cmAuthor id="1" name="Glen" initials="GR" lastIdx="1" clrIdx="0">
+    <p:extLst>
+      <p:ext uri="{19B8F6BF-5375-455C-9EA6-DF929625EA0E}">
+        <p15:presenceInfo xmlns:p15="http://schemas.microsoft.com/office/powerpoint/2012/main" userId="Glen" providerId="None"/>
+      </p:ext>
+    </p:extLst>
+  </p:cmAuthor>
+</p:cmAuthorLst>
+</file>
+
+<file path=ppt/comments/comment1.xml><?xml version="1.0" encoding="utf-8"?>
+<p:cmLst xmlns:a="http://schemas.openxmlformats.org/drawingml/2006/main" xmlns:r="http://schemas.openxmlformats.org/officeDocument/2006/relationships" xmlns:p="http://schemas.openxmlformats.org/presentationml/2006/main">
+  <p:cm authorId="1" dt="2015-10-16T23:31:36.318" idx="1">
+    <p:pos x="5518" y="3027"/>
+    <p:text>Should we allow users to create a username?  They could make a username like Glen.Riden, which would result in PII being stored for a patient.  An alternative could be forcing them to keep up with their user ID.</p:text>
+    <p:extLst>
+      <p:ext uri="{C676402C-5697-4E1C-873F-D02D1690AC5C}">
+        <p15:threadingInfo xmlns:p15="http://schemas.microsoft.com/office/powerpoint/2012/main" timeZoneBias="300"/>
+      </p:ext>
+    </p:extLst>
+  </p:cm>
+</p:cmLst>
 </file>
 
 <file path=ppt/slideLayouts/slideLayout1.xml><?xml version="1.0" encoding="utf-8"?>
@@ -3033,6 +3063,90 @@
 </p:sld>
 </file>
 
+<file path=ppt/slides/slide10.xml><?xml version="1.0" encoding="utf-8"?>
+<p:sld xmlns:a="http://schemas.openxmlformats.org/drawingml/2006/main" xmlns:r="http://schemas.openxmlformats.org/officeDocument/2006/relationships" xmlns:p="http://schemas.openxmlformats.org/presentationml/2006/main">
+  <p:cSld>
+    <p:spTree>
+      <p:nvGrpSpPr>
+        <p:cNvPr id="1" name=""/>
+        <p:cNvGrpSpPr/>
+        <p:nvPr/>
+      </p:nvGrpSpPr>
+      <p:grpSpPr>
+        <a:xfrm>
+          <a:off x="0" y="0"/>
+          <a:ext cx="0" cy="0"/>
+          <a:chOff x="0" y="0"/>
+          <a:chExt cx="0" cy="0"/>
+        </a:xfrm>
+      </p:grpSpPr>
+      <p:sp>
+        <p:nvSpPr>
+          <p:cNvPr id="2" name="Title 1"/>
+          <p:cNvSpPr>
+            <a:spLocks noGrp="1"/>
+          </p:cNvSpPr>
+          <p:nvPr>
+            <p:ph type="title"/>
+          </p:nvPr>
+        </p:nvSpPr>
+        <p:spPr/>
+        <p:txBody>
+          <a:bodyPr/>
+          <a:lstStyle/>
+          <a:p>
+            <a:r>
+              <a:rPr lang="en-US" b="1" u="sng" dirty="0"/>
+              <a:t>How </a:t>
+            </a:r>
+            <a:r>
+              <a:rPr lang="en-US" b="1" u="sng" dirty="0" smtClean="0"/>
+              <a:t>a System Admin </a:t>
+            </a:r>
+            <a:r>
+              <a:rPr lang="en-US" b="1" u="sng" dirty="0"/>
+              <a:t>Account is Created</a:t>
+            </a:r>
+            <a:endParaRPr lang="en-US" dirty="0"/>
+          </a:p>
+        </p:txBody>
+      </p:sp>
+      <p:sp>
+        <p:nvSpPr>
+          <p:cNvPr id="3" name="Content Placeholder 2"/>
+          <p:cNvSpPr>
+            <a:spLocks noGrp="1"/>
+          </p:cNvSpPr>
+          <p:nvPr>
+            <p:ph idx="1"/>
+          </p:nvPr>
+        </p:nvSpPr>
+        <p:spPr/>
+        <p:txBody>
+          <a:bodyPr/>
+          <a:lstStyle/>
+          <a:p>
+            <a:r>
+              <a:rPr lang="en-US" dirty="0" smtClean="0"/>
+              <a:t>System administrator accounts will only be created by other system administrators (i.e. the public will not be able to request them).</a:t>
+            </a:r>
+            <a:endParaRPr lang="en-US" dirty="0"/>
+          </a:p>
+        </p:txBody>
+      </p:sp>
+    </p:spTree>
+    <p:extLst>
+      <p:ext uri="{BB962C8B-B14F-4D97-AF65-F5344CB8AC3E}">
+        <p14:creationId xmlns:p14="http://schemas.microsoft.com/office/powerpoint/2010/main" val="842027575"/>
+      </p:ext>
+    </p:extLst>
+  </p:cSld>
+  <p:clrMapOvr>
+    <a:masterClrMapping/>
+  </p:clrMapOvr>
+</p:sld>
+</file>
+
 <file path=ppt/slides/slide2.xml><?xml version="1.0" encoding="utf-8"?>
 <p:sld xmlns:a="http://schemas.openxmlformats.org/drawingml/2006/main" xmlns:r="http://schemas.openxmlformats.org/officeDocument/2006/relationships" xmlns:p="http://schemas.openxmlformats.org/presentationml/2006/main">
   <p:cSld>
@@ -4832,11 +4946,11 @@
             </a:r>
             <a:r>
               <a:rPr lang="en-US" dirty="0" smtClean="0"/>
-              <a:t>, username, password, age, gender, weight</a:t>
+              <a:t>, username, password, age, gender, weight, </a:t>
             </a:r>
             <a:r>
               <a:rPr lang="en-US" dirty="0" smtClean="0"/>
-              <a:t>, height </a:t>
+              <a:t>height, race, nationality </a:t>
             </a:r>
             <a:r>
               <a:rPr lang="en-US" dirty="0" smtClean="0"/>
@@ -5036,13 +5150,35 @@
         </p:nvSpPr>
         <p:spPr/>
         <p:txBody>
-          <a:bodyPr/>
+          <a:bodyPr>
+            <a:normAutofit/>
+          </a:bodyPr>
           <a:lstStyle/>
           <a:p>
             <a:r>
               <a:rPr lang="en-US" dirty="0" smtClean="0"/>
-              <a:t>System administrators will have the ability to enable and disable users.</a:t>
-            </a:r>
+              <a:t>System administrators will have the ability to </a:t>
+            </a:r>
+            <a:r>
+              <a:rPr lang="en-US" dirty="0" smtClean="0"/>
+              <a:t>enable, disable, add and remove </a:t>
+            </a:r>
+            <a:r>
+              <a:rPr lang="en-US" dirty="0" smtClean="0"/>
+              <a:t>all users</a:t>
+            </a:r>
+            <a:r>
+              <a:rPr lang="en-US" dirty="0" smtClean="0"/>
+              <a:t>.</a:t>
+            </a:r>
+            <a:endParaRPr lang="en-US" dirty="0" smtClean="0"/>
+          </a:p>
+          <a:p>
+            <a:r>
+              <a:rPr lang="en-US" dirty="0" smtClean="0"/>
+              <a:t>System administrators will have the ability to associate and disassociate a patient and a physician.</a:t>
+            </a:r>
+            <a:endParaRPr lang="en-US" dirty="0" smtClean="0"/>
           </a:p>
           <a:p>
             <a:r>
@@ -5051,18 +5187,19 @@
             </a:r>
             <a:r>
               <a:rPr lang="en-US" dirty="0" smtClean="0"/>
-              <a:t>have the ability to add and remove physicians, experiment administrators and patients.</a:t>
-            </a:r>
-          </a:p>
-          <a:p>
-            <a:r>
-              <a:rPr lang="en-US" dirty="0"/>
-              <a:t>System administrators will </a:t>
+              <a:t>have the ability to reset </a:t>
             </a:r>
             <a:r>
               <a:rPr lang="en-US" dirty="0" smtClean="0"/>
-              <a:t>have the ability to reset passwords.</a:t>
-            </a:r>
+              <a:t>passwords.</a:t>
+            </a:r>
+          </a:p>
+          <a:p>
+            <a:r>
+              <a:rPr lang="en-US" dirty="0" smtClean="0"/>
+              <a:t>System administrators will be able to update physician, patient and experiment administrator account information.</a:t>
+            </a:r>
+            <a:endParaRPr lang="en-US" dirty="0" smtClean="0"/>
           </a:p>
           <a:p>
             <a:r>
@@ -5083,6 +5220,350 @@
     <p:extLst>
       <p:ext uri="{BB962C8B-B14F-4D97-AF65-F5344CB8AC3E}">
         <p14:creationId xmlns:p14="http://schemas.microsoft.com/office/powerpoint/2010/main" val="1793123034"/>
+      </p:ext>
+    </p:extLst>
+  </p:cSld>
+  <p:clrMapOvr>
+    <a:masterClrMapping/>
+  </p:clrMapOvr>
+</p:sld>
+</file>
+
+<file path=ppt/slides/slide7.xml><?xml version="1.0" encoding="utf-8"?>
+<p:sld xmlns:a="http://schemas.openxmlformats.org/drawingml/2006/main" xmlns:r="http://schemas.openxmlformats.org/officeDocument/2006/relationships" xmlns:p="http://schemas.openxmlformats.org/presentationml/2006/main">
+  <p:cSld>
+    <p:spTree>
+      <p:nvGrpSpPr>
+        <p:cNvPr id="1" name=""/>
+        <p:cNvGrpSpPr/>
+        <p:nvPr/>
+      </p:nvGrpSpPr>
+      <p:grpSpPr>
+        <a:xfrm>
+          <a:off x="0" y="0"/>
+          <a:ext cx="0" cy="0"/>
+          <a:chOff x="0" y="0"/>
+          <a:chExt cx="0" cy="0"/>
+        </a:xfrm>
+      </p:grpSpPr>
+      <p:sp>
+        <p:nvSpPr>
+          <p:cNvPr id="2" name="Title 1"/>
+          <p:cNvSpPr>
+            <a:spLocks noGrp="1"/>
+          </p:cNvSpPr>
+          <p:nvPr>
+            <p:ph type="title"/>
+          </p:nvPr>
+        </p:nvSpPr>
+        <p:spPr/>
+        <p:txBody>
+          <a:bodyPr/>
+          <a:lstStyle/>
+          <a:p>
+            <a:r>
+              <a:rPr lang="en-US" b="1" u="sng" dirty="0" smtClean="0"/>
+              <a:t>How a Patient Account </a:t>
+            </a:r>
+            <a:r>
+              <a:rPr lang="en-US" b="1" u="sng" dirty="0"/>
+              <a:t>i</a:t>
+            </a:r>
+            <a:r>
+              <a:rPr lang="en-US" b="1" u="sng" dirty="0" smtClean="0"/>
+              <a:t>s Created</a:t>
+            </a:r>
+            <a:endParaRPr lang="en-US" b="1" u="sng" dirty="0"/>
+          </a:p>
+        </p:txBody>
+      </p:sp>
+      <p:sp>
+        <p:nvSpPr>
+          <p:cNvPr id="3" name="Content Placeholder 2"/>
+          <p:cNvSpPr>
+            <a:spLocks noGrp="1"/>
+          </p:cNvSpPr>
+          <p:nvPr>
+            <p:ph idx="1"/>
+          </p:nvPr>
+        </p:nvSpPr>
+        <p:spPr/>
+        <p:txBody>
+          <a:bodyPr>
+            <a:normAutofit/>
+          </a:bodyPr>
+          <a:lstStyle/>
+          <a:p>
+            <a:pPr marL="514350" indent="-514350">
+              <a:buFont typeface="+mj-lt"/>
+              <a:buAutoNum type="arabicPeriod"/>
+            </a:pPr>
+            <a:r>
+              <a:rPr lang="en-US" dirty="0" smtClean="0"/>
+              <a:t>A physician creates an account for a client.  The client will then be provided a user ID (ex: Smith_001) with the prefix being the physician name and the number representing the client number.  The physician will also give the client a temporary password for logging in.</a:t>
+            </a:r>
+            <a:br>
+              <a:rPr lang="en-US" dirty="0" smtClean="0"/>
+            </a:br>
+            <a:r>
+              <a:rPr lang="en-US" sz="1800" dirty="0" smtClean="0"/>
+              <a:t>*Note: the physician will be responsible for maintaining who Smith_001 actually is, since the system is not storing PII.</a:t>
+            </a:r>
+          </a:p>
+          <a:p>
+            <a:pPr marL="514350" indent="-514350">
+              <a:buFont typeface="+mj-lt"/>
+              <a:buAutoNum type="arabicPeriod"/>
+            </a:pPr>
+            <a:r>
+              <a:rPr lang="en-US" dirty="0" smtClean="0"/>
+              <a:t>The client will then log in using their user ID and temporary password.  They will be prompted to choose a username and change their password upon logging in the first time.</a:t>
+            </a:r>
+          </a:p>
+          <a:p>
+            <a:pPr marL="514350" indent="-514350">
+              <a:buFont typeface="+mj-lt"/>
+              <a:buAutoNum type="arabicPeriod"/>
+            </a:pPr>
+            <a:r>
+              <a:rPr lang="en-US" dirty="0" smtClean="0"/>
+              <a:t>Their username and password will be associated with the user ID.</a:t>
+            </a:r>
+          </a:p>
+        </p:txBody>
+      </p:sp>
+    </p:spTree>
+    <p:extLst>
+      <p:ext uri="{BB962C8B-B14F-4D97-AF65-F5344CB8AC3E}">
+        <p14:creationId xmlns:p14="http://schemas.microsoft.com/office/powerpoint/2010/main" val="2941472498"/>
+      </p:ext>
+    </p:extLst>
+  </p:cSld>
+  <p:clrMapOvr>
+    <a:masterClrMapping/>
+  </p:clrMapOvr>
+</p:sld>
+</file>
+
+<file path=ppt/slides/slide8.xml><?xml version="1.0" encoding="utf-8"?>
+<p:sld xmlns:a="http://schemas.openxmlformats.org/drawingml/2006/main" xmlns:r="http://schemas.openxmlformats.org/officeDocument/2006/relationships" xmlns:p="http://schemas.openxmlformats.org/presentationml/2006/main">
+  <p:cSld>
+    <p:spTree>
+      <p:nvGrpSpPr>
+        <p:cNvPr id="1" name=""/>
+        <p:cNvGrpSpPr/>
+        <p:nvPr/>
+      </p:nvGrpSpPr>
+      <p:grpSpPr>
+        <a:xfrm>
+          <a:off x="0" y="0"/>
+          <a:ext cx="0" cy="0"/>
+          <a:chOff x="0" y="0"/>
+          <a:chExt cx="0" cy="0"/>
+        </a:xfrm>
+      </p:grpSpPr>
+      <p:sp>
+        <p:nvSpPr>
+          <p:cNvPr id="2" name="Title 1"/>
+          <p:cNvSpPr>
+            <a:spLocks noGrp="1"/>
+          </p:cNvSpPr>
+          <p:nvPr>
+            <p:ph type="title"/>
+          </p:nvPr>
+        </p:nvSpPr>
+        <p:spPr/>
+        <p:txBody>
+          <a:bodyPr/>
+          <a:lstStyle/>
+          <a:p>
+            <a:r>
+              <a:rPr lang="en-US" b="1" u="sng" dirty="0" smtClean="0"/>
+              <a:t>How a Physician Account is Created</a:t>
+            </a:r>
+            <a:endParaRPr lang="en-US" b="1" u="sng" dirty="0"/>
+          </a:p>
+        </p:txBody>
+      </p:sp>
+      <p:sp>
+        <p:nvSpPr>
+          <p:cNvPr id="3" name="Content Placeholder 2"/>
+          <p:cNvSpPr>
+            <a:spLocks noGrp="1"/>
+          </p:cNvSpPr>
+          <p:nvPr>
+            <p:ph idx="1"/>
+          </p:nvPr>
+        </p:nvSpPr>
+        <p:spPr/>
+        <p:txBody>
+          <a:bodyPr/>
+          <a:lstStyle/>
+          <a:p>
+            <a:pPr marL="514350" indent="-514350">
+              <a:buFont typeface="+mj-lt"/>
+              <a:buAutoNum type="arabicPeriod"/>
+            </a:pPr>
+            <a:r>
+              <a:rPr lang="en-US" dirty="0" smtClean="0"/>
+              <a:t>The physician requests an account from the system website and provides a desired username, password and email address.</a:t>
+            </a:r>
+          </a:p>
+          <a:p>
+            <a:pPr marL="514350" indent="-514350">
+              <a:buFont typeface="+mj-lt"/>
+              <a:buAutoNum type="arabicPeriod"/>
+            </a:pPr>
+            <a:r>
+              <a:rPr lang="en-US" dirty="0" smtClean="0"/>
+              <a:t>The system administrator will be notified of the request.  If accepted, the system administrator will approve/enable the physician account.</a:t>
+            </a:r>
+          </a:p>
+          <a:p>
+            <a:pPr marL="514350" indent="-514350">
+              <a:buFont typeface="+mj-lt"/>
+              <a:buAutoNum type="arabicPeriod"/>
+            </a:pPr>
+            <a:r>
+              <a:rPr lang="en-US" dirty="0" smtClean="0"/>
+              <a:t>The system will send an automated email to the physician notifying them that their account has been approved or disapproved.</a:t>
+            </a:r>
+            <a:endParaRPr lang="en-US" dirty="0"/>
+          </a:p>
+        </p:txBody>
+      </p:sp>
+    </p:spTree>
+    <p:extLst>
+      <p:ext uri="{BB962C8B-B14F-4D97-AF65-F5344CB8AC3E}">
+        <p14:creationId xmlns:p14="http://schemas.microsoft.com/office/powerpoint/2010/main" val="1396417358"/>
+      </p:ext>
+    </p:extLst>
+  </p:cSld>
+  <p:clrMapOvr>
+    <a:masterClrMapping/>
+  </p:clrMapOvr>
+</p:sld>
+</file>
+
+<file path=ppt/slides/slide9.xml><?xml version="1.0" encoding="utf-8"?>
+<p:sld xmlns:a="http://schemas.openxmlformats.org/drawingml/2006/main" xmlns:r="http://schemas.openxmlformats.org/officeDocument/2006/relationships" xmlns:p="http://schemas.openxmlformats.org/presentationml/2006/main">
+  <p:cSld>
+    <p:spTree>
+      <p:nvGrpSpPr>
+        <p:cNvPr id="1" name=""/>
+        <p:cNvGrpSpPr/>
+        <p:nvPr/>
+      </p:nvGrpSpPr>
+      <p:grpSpPr>
+        <a:xfrm>
+          <a:off x="0" y="0"/>
+          <a:ext cx="0" cy="0"/>
+          <a:chOff x="0" y="0"/>
+          <a:chExt cx="0" cy="0"/>
+        </a:xfrm>
+      </p:grpSpPr>
+      <p:sp>
+        <p:nvSpPr>
+          <p:cNvPr id="2" name="Title 1"/>
+          <p:cNvSpPr>
+            <a:spLocks noGrp="1"/>
+          </p:cNvSpPr>
+          <p:nvPr>
+            <p:ph type="title"/>
+          </p:nvPr>
+        </p:nvSpPr>
+        <p:spPr/>
+        <p:txBody>
+          <a:bodyPr/>
+          <a:lstStyle/>
+          <a:p>
+            <a:r>
+              <a:rPr lang="en-US" b="1" u="sng" dirty="0" smtClean="0"/>
+              <a:t>How an Experiment Admin Account is Created</a:t>
+            </a:r>
+            <a:endParaRPr lang="en-US" b="1" u="sng" dirty="0"/>
+          </a:p>
+        </p:txBody>
+      </p:sp>
+      <p:sp>
+        <p:nvSpPr>
+          <p:cNvPr id="3" name="Content Placeholder 2"/>
+          <p:cNvSpPr>
+            <a:spLocks noGrp="1"/>
+          </p:cNvSpPr>
+          <p:nvPr>
+            <p:ph idx="1"/>
+          </p:nvPr>
+        </p:nvSpPr>
+        <p:spPr/>
+        <p:txBody>
+          <a:bodyPr/>
+          <a:lstStyle/>
+          <a:p>
+            <a:pPr marL="514350" indent="-514350">
+              <a:buFont typeface="+mj-lt"/>
+              <a:buAutoNum type="arabicPeriod"/>
+            </a:pPr>
+            <a:r>
+              <a:rPr lang="en-US" dirty="0"/>
+              <a:t>The </a:t>
+            </a:r>
+            <a:r>
+              <a:rPr lang="en-US" dirty="0" smtClean="0"/>
+              <a:t>experiment administrator </a:t>
+            </a:r>
+            <a:r>
+              <a:rPr lang="en-US" dirty="0"/>
+              <a:t>requests </a:t>
+            </a:r>
+            <a:r>
+              <a:rPr lang="en-US" dirty="0" smtClean="0"/>
+              <a:t>an account from the system website and provides a desired username, password and email address.</a:t>
+            </a:r>
+          </a:p>
+          <a:p>
+            <a:pPr marL="514350" indent="-514350">
+              <a:buFont typeface="+mj-lt"/>
+              <a:buAutoNum type="arabicPeriod"/>
+            </a:pPr>
+            <a:r>
+              <a:rPr lang="en-US" dirty="0" smtClean="0"/>
+              <a:t>The system administrator will be notified of the request.  If accepted, the system administrator will approve/enable the physician account.</a:t>
+            </a:r>
+          </a:p>
+          <a:p>
+            <a:pPr marL="514350" indent="-514350">
+              <a:buFont typeface="+mj-lt"/>
+              <a:buAutoNum type="arabicPeriod"/>
+            </a:pPr>
+            <a:r>
+              <a:rPr lang="en-US" dirty="0" smtClean="0"/>
+              <a:t>The system will send an automated email to </a:t>
+            </a:r>
+            <a:r>
+              <a:rPr lang="en-US" dirty="0"/>
+              <a:t>the </a:t>
+            </a:r>
+            <a:r>
+              <a:rPr lang="en-US" dirty="0" smtClean="0"/>
+              <a:t>experiment administrator </a:t>
+            </a:r>
+            <a:r>
+              <a:rPr lang="en-US" dirty="0"/>
+              <a:t>notifying </a:t>
+            </a:r>
+            <a:r>
+              <a:rPr lang="en-US" dirty="0" smtClean="0"/>
+              <a:t>them that their account has been approved or disapproved.</a:t>
+            </a:r>
+            <a:endParaRPr lang="en-US" dirty="0"/>
+          </a:p>
+        </p:txBody>
+      </p:sp>
+    </p:spTree>
+    <p:extLst>
+      <p:ext uri="{BB962C8B-B14F-4D97-AF65-F5344CB8AC3E}">
+        <p14:creationId xmlns:p14="http://schemas.microsoft.com/office/powerpoint/2010/main" val="2659248353"/>
       </p:ext>
     </p:extLst>
   </p:cSld>

--- a/Misc/Presentation_-_User_Roles.pptx
+++ b/Misc/Presentation_-_User_Roles.pptx
@@ -115,7 +115,7 @@
   </p:defaultTextStyle>
   <p:extLst>
     <p:ext uri="{EFAFB233-063F-42B5-8137-9DF3F51BA10A}">
-      <p15:sldGuideLst xmlns:p15="http://schemas.microsoft.com/office/powerpoint/2012/main"/>
+      <p15:sldGuideLst xmlns:p15="http://schemas.microsoft.com/office/powerpoint/2012/main" xmlns=""/>
     </p:ext>
   </p:extLst>
 </p:presentation>
@@ -124,11 +124,7 @@
 <file path=ppt/commentAuthors.xml><?xml version="1.0" encoding="utf-8"?>
 <p:cmAuthorLst xmlns:a="http://schemas.openxmlformats.org/drawingml/2006/main" xmlns:r="http://schemas.openxmlformats.org/officeDocument/2006/relationships" xmlns:p="http://schemas.openxmlformats.org/presentationml/2006/main">
   <p:cmAuthor id="1" name="Glen" initials="GR" lastIdx="1" clrIdx="0">
-    <p:extLst>
-      <p:ext uri="{19B8F6BF-5375-455C-9EA6-DF929625EA0E}">
-        <p15:presenceInfo xmlns:p15="http://schemas.microsoft.com/office/powerpoint/2012/main" userId="Glen" providerId="None"/>
-      </p:ext>
-    </p:extLst>
+    <p:extLst/>
   </p:cmAuthor>
 </p:cmAuthorLst>
 </file>
@@ -278,7 +274,7 @@
           <a:p>
             <a:fld id="{34AAB4EA-4951-4B88-B6FB-5F62874EB061}" type="datetimeFigureOut">
               <a:rPr lang="en-US" smtClean="0"/>
-              <a:t>10/16/2015</a:t>
+              <a:t>11/25/2015</a:t>
             </a:fld>
             <a:endParaRPr lang="en-US"/>
           </a:p>
@@ -448,7 +444,7 @@
           <a:p>
             <a:fld id="{34AAB4EA-4951-4B88-B6FB-5F62874EB061}" type="datetimeFigureOut">
               <a:rPr lang="en-US" smtClean="0"/>
-              <a:t>10/16/2015</a:t>
+              <a:t>11/25/2015</a:t>
             </a:fld>
             <a:endParaRPr lang="en-US"/>
           </a:p>
@@ -628,7 +624,7 @@
           <a:p>
             <a:fld id="{34AAB4EA-4951-4B88-B6FB-5F62874EB061}" type="datetimeFigureOut">
               <a:rPr lang="en-US" smtClean="0"/>
-              <a:t>10/16/2015</a:t>
+              <a:t>11/25/2015</a:t>
             </a:fld>
             <a:endParaRPr lang="en-US"/>
           </a:p>
@@ -798,7 +794,7 @@
           <a:p>
             <a:fld id="{34AAB4EA-4951-4B88-B6FB-5F62874EB061}" type="datetimeFigureOut">
               <a:rPr lang="en-US" smtClean="0"/>
-              <a:t>10/16/2015</a:t>
+              <a:t>11/25/2015</a:t>
             </a:fld>
             <a:endParaRPr lang="en-US"/>
           </a:p>
@@ -1044,7 +1040,7 @@
           <a:p>
             <a:fld id="{34AAB4EA-4951-4B88-B6FB-5F62874EB061}" type="datetimeFigureOut">
               <a:rPr lang="en-US" smtClean="0"/>
-              <a:t>10/16/2015</a:t>
+              <a:t>11/25/2015</a:t>
             </a:fld>
             <a:endParaRPr lang="en-US"/>
           </a:p>
@@ -1276,7 +1272,7 @@
           <a:p>
             <a:fld id="{34AAB4EA-4951-4B88-B6FB-5F62874EB061}" type="datetimeFigureOut">
               <a:rPr lang="en-US" smtClean="0"/>
-              <a:t>10/16/2015</a:t>
+              <a:t>11/25/2015</a:t>
             </a:fld>
             <a:endParaRPr lang="en-US"/>
           </a:p>
@@ -1643,7 +1639,7 @@
           <a:p>
             <a:fld id="{34AAB4EA-4951-4B88-B6FB-5F62874EB061}" type="datetimeFigureOut">
               <a:rPr lang="en-US" smtClean="0"/>
-              <a:t>10/16/2015</a:t>
+              <a:t>11/25/2015</a:t>
             </a:fld>
             <a:endParaRPr lang="en-US"/>
           </a:p>
@@ -1761,7 +1757,7 @@
           <a:p>
             <a:fld id="{34AAB4EA-4951-4B88-B6FB-5F62874EB061}" type="datetimeFigureOut">
               <a:rPr lang="en-US" smtClean="0"/>
-              <a:t>10/16/2015</a:t>
+              <a:t>11/25/2015</a:t>
             </a:fld>
             <a:endParaRPr lang="en-US"/>
           </a:p>
@@ -1856,7 +1852,7 @@
           <a:p>
             <a:fld id="{34AAB4EA-4951-4B88-B6FB-5F62874EB061}" type="datetimeFigureOut">
               <a:rPr lang="en-US" smtClean="0"/>
-              <a:t>10/16/2015</a:t>
+              <a:t>11/25/2015</a:t>
             </a:fld>
             <a:endParaRPr lang="en-US"/>
           </a:p>
@@ -2133,7 +2129,7 @@
           <a:p>
             <a:fld id="{34AAB4EA-4951-4B88-B6FB-5F62874EB061}" type="datetimeFigureOut">
               <a:rPr lang="en-US" smtClean="0"/>
-              <a:t>10/16/2015</a:t>
+              <a:t>11/25/2015</a:t>
             </a:fld>
             <a:endParaRPr lang="en-US"/>
           </a:p>
@@ -2386,7 +2382,7 @@
           <a:p>
             <a:fld id="{34AAB4EA-4951-4B88-B6FB-5F62874EB061}" type="datetimeFigureOut">
               <a:rPr lang="en-US" smtClean="0"/>
-              <a:t>10/16/2015</a:t>
+              <a:t>11/25/2015</a:t>
             </a:fld>
             <a:endParaRPr lang="en-US"/>
           </a:p>
@@ -2599,7 +2595,7 @@
           <a:p>
             <a:fld id="{34AAB4EA-4951-4B88-B6FB-5F62874EB061}" type="datetimeFigureOut">
               <a:rPr lang="en-US" smtClean="0"/>
-              <a:t>10/16/2015</a:t>
+              <a:t>11/25/2015</a:t>
             </a:fld>
             <a:endParaRPr lang="en-US"/>
           </a:p>
@@ -4829,25 +4825,41 @@
           <a:p>
             <a:r>
               <a:rPr lang="en-US" dirty="0" smtClean="0"/>
-              <a:t>Will be able to add patients to the system.</a:t>
+              <a:t>Will </a:t>
+            </a:r>
+            <a:r>
+              <a:rPr lang="en-US" dirty="0"/>
+              <a:t>be able to add patients to the system.</a:t>
             </a:r>
           </a:p>
           <a:p>
             <a:r>
               <a:rPr lang="en-US" dirty="0" smtClean="0"/>
-              <a:t>Patients will only be associated with one physician.</a:t>
+              <a:t>Patients </a:t>
+            </a:r>
+            <a:r>
+              <a:rPr lang="en-US" dirty="0"/>
+              <a:t>shall be associated with only one physician.</a:t>
             </a:r>
           </a:p>
           <a:p>
             <a:r>
               <a:rPr lang="en-US" dirty="0" smtClean="0"/>
-              <a:t>Physician accounts will have information like username, password, active status and email.</a:t>
+              <a:t>Physician </a:t>
+            </a:r>
+            <a:r>
+              <a:rPr lang="en-US" dirty="0"/>
+              <a:t>accounts shall have information like username, password, active status and email.</a:t>
             </a:r>
           </a:p>
           <a:p>
             <a:r>
               <a:rPr lang="en-US" dirty="0" smtClean="0"/>
-              <a:t>Physicians will be allowed to view the data for their associated patients.</a:t>
+              <a:t>Physicians </a:t>
+            </a:r>
+            <a:r>
+              <a:rPr lang="en-US" dirty="0"/>
+              <a:t>shall be allowed to view the data for their associated patients.</a:t>
             </a:r>
           </a:p>
         </p:txBody>
@@ -4921,47 +4933,70 @@
         </p:nvSpPr>
         <p:spPr/>
         <p:txBody>
-          <a:bodyPr/>
+          <a:bodyPr>
+            <a:normAutofit/>
+          </a:bodyPr>
           <a:lstStyle/>
           <a:p>
             <a:r>
               <a:rPr lang="en-US" dirty="0" smtClean="0"/>
-              <a:t>Patient accounts will not have any personal identifiable information</a:t>
+              <a:t>Patient </a:t>
+            </a:r>
+            <a:r>
+              <a:rPr lang="en-US" dirty="0"/>
+              <a:t>accounts shall not have any personal identifiable information</a:t>
             </a:r>
           </a:p>
           <a:p>
             <a:r>
               <a:rPr lang="en-US" dirty="0" smtClean="0"/>
-              <a:t>Since there is no PII, password resetting will be performed with either security questions or a temporary password will be mailed to a “call-back email”</a:t>
+              <a:t>Since </a:t>
+            </a:r>
+            <a:r>
+              <a:rPr lang="en-US" dirty="0"/>
+              <a:t>there is no PII, password resetting will be performed with either security questions or a temporary password will be mailed to a “call-back email”</a:t>
             </a:r>
           </a:p>
           <a:p>
             <a:r>
               <a:rPr lang="en-US" dirty="0" smtClean="0"/>
-              <a:t>Patient accounts will contain information such as </a:t>
+              <a:t>Patient </a:t>
+            </a:r>
+            <a:r>
+              <a:rPr lang="en-US" dirty="0"/>
+              <a:t>accounts shall contain information such as </a:t>
+            </a:r>
+            <a:r>
+              <a:rPr lang="en-US" dirty="0" err="1"/>
+              <a:t>userid</a:t>
+            </a:r>
+            <a:r>
+              <a:rPr lang="en-US" dirty="0"/>
+              <a:t>, username, password, age, gender, weight, height, race, nationality and location (at a high-level to not be identifiable, i.e. state) </a:t>
+            </a:r>
+          </a:p>
+          <a:p>
+            <a:r>
+              <a:rPr lang="en-US" dirty="0" smtClean="0"/>
+              <a:t>Patients </a:t>
+            </a:r>
+            <a:r>
+              <a:rPr lang="en-US" dirty="0"/>
+              <a:t>shall only be allowed to upload data and view their own data from one of the three wearable medical devices </a:t>
+            </a:r>
+            <a:r>
+              <a:rPr lang="en-US" dirty="0" smtClean="0"/>
+              <a:t>(Zephyr, </a:t>
             </a:r>
             <a:r>
               <a:rPr lang="en-US" dirty="0" err="1" smtClean="0"/>
-              <a:t>userid</a:t>
+              <a:t>BasicPeak</a:t>
             </a:r>
             <a:r>
               <a:rPr lang="en-US" dirty="0" smtClean="0"/>
-              <a:t>, username, password, age, gender, weight, </a:t>
-            </a:r>
-            <a:r>
-              <a:rPr lang="en-US" dirty="0" smtClean="0"/>
-              <a:t>height, race, nationality </a:t>
-            </a:r>
-            <a:r>
-              <a:rPr lang="en-US" dirty="0" smtClean="0"/>
-              <a:t>and location (at a high-level to not be identifiable, i.e. state) </a:t>
-            </a:r>
-          </a:p>
-          <a:p>
-            <a:r>
-              <a:rPr lang="en-US" dirty="0" smtClean="0"/>
-              <a:t>Patients will only be allowed to upload data and view their own data.</a:t>
-            </a:r>
+              <a:t>, Microsoft Band).</a:t>
+            </a:r>
+            <a:endParaRPr lang="en-US" dirty="0"/>
           </a:p>
           <a:p>
             <a:endParaRPr lang="en-US" dirty="0"/>
@@ -5038,49 +5073,41 @@
           <a:p>
             <a:r>
               <a:rPr lang="en-US" dirty="0" smtClean="0"/>
-              <a:t>People looking to gather health/fitness data on </a:t>
-            </a:r>
-            <a:r>
-              <a:rPr lang="en-US" b="1" u="sng" dirty="0" smtClean="0"/>
-              <a:t>anonymous</a:t>
-            </a:r>
+              <a:t>People </a:t>
+            </a:r>
+            <a:r>
+              <a:rPr lang="en-US" dirty="0"/>
+              <a:t>looking to gather health/fitness data on anonymous individuals that meet certain criteria (specific age, weight, race, etc.).</a:t>
+            </a:r>
+          </a:p>
+          <a:p>
             <a:r>
               <a:rPr lang="en-US" dirty="0" smtClean="0"/>
-              <a:t> individuals that meet certain criteria (specific age, weight, race, etc.).</a:t>
+              <a:t>Experiment </a:t>
+            </a:r>
+            <a:r>
+              <a:rPr lang="en-US" dirty="0"/>
+              <a:t>Administrators shall be able to specify criteria that they want to research and be provided data accordingly.</a:t>
             </a:r>
           </a:p>
           <a:p>
             <a:r>
               <a:rPr lang="en-US" dirty="0" smtClean="0"/>
-              <a:t>Experiment Administrators will be </a:t>
+              <a:t>Experiment </a:t>
             </a:r>
             <a:r>
               <a:rPr lang="en-US" dirty="0"/>
-              <a:t>able to specify criteria that they want to research and be provided data accordingly</a:t>
-            </a:r>
+              <a:t>Administrators shall not be associated with any physician. </a:t>
+            </a:r>
+          </a:p>
+          <a:p>
             <a:r>
               <a:rPr lang="en-US" dirty="0" smtClean="0"/>
-              <a:t>.</a:t>
-            </a:r>
-          </a:p>
-          <a:p>
+              <a:t>Experiment </a:t>
+            </a:r>
             <a:r>
               <a:rPr lang="en-US" dirty="0"/>
-              <a:t>Experiment Administrators will </a:t>
-            </a:r>
-            <a:r>
-              <a:rPr lang="en-US" dirty="0" smtClean="0"/>
-              <a:t>not be associated with any physician.</a:t>
-            </a:r>
-          </a:p>
-          <a:p>
-            <a:r>
-              <a:rPr lang="en-US" dirty="0"/>
-              <a:t>Experiment Administrators will </a:t>
-            </a:r>
-            <a:r>
-              <a:rPr lang="en-US" dirty="0" smtClean="0"/>
-              <a:t>contain information such as a username, password, active status, etc.</a:t>
+              <a:t>Administrators shall contain information such as a username, password, active status, etc.</a:t>
             </a:r>
           </a:p>
         </p:txBody>
@@ -5157,61 +5184,47 @@
           <a:p>
             <a:r>
               <a:rPr lang="en-US" dirty="0" smtClean="0"/>
-              <a:t>System administrators will have the ability to </a:t>
-            </a:r>
+              <a:t>System </a:t>
+            </a:r>
+            <a:r>
+              <a:rPr lang="en-US" dirty="0"/>
+              <a:t>administrators shall have the ability to enable, disable, add and remove all users except patients.</a:t>
+            </a:r>
+          </a:p>
+          <a:p>
             <a:r>
               <a:rPr lang="en-US" dirty="0" smtClean="0"/>
-              <a:t>enable, disable, add and remove </a:t>
-            </a:r>
+              <a:t>System </a:t>
+            </a:r>
+            <a:r>
+              <a:rPr lang="en-US" dirty="0"/>
+              <a:t>administrators will have the ability to reset passwords.</a:t>
+            </a:r>
+          </a:p>
+          <a:p>
             <a:r>
               <a:rPr lang="en-US" dirty="0" smtClean="0"/>
-              <a:t>all users</a:t>
-            </a:r>
+              <a:t>System </a:t>
+            </a:r>
+            <a:r>
+              <a:rPr lang="en-US" dirty="0"/>
+              <a:t>administrators shall be able to update physician, patient and experiment administrator account information.</a:t>
+            </a:r>
+          </a:p>
+          <a:p>
             <a:r>
               <a:rPr lang="en-US" dirty="0" smtClean="0"/>
-              <a:t>.</a:t>
-            </a:r>
-            <a:endParaRPr lang="en-US" dirty="0" smtClean="0"/>
-          </a:p>
-          <a:p>
-            <a:r>
-              <a:rPr lang="en-US" dirty="0" smtClean="0"/>
-              <a:t>System administrators will have the ability to associate and disassociate a patient and a physician.</a:t>
-            </a:r>
-            <a:endParaRPr lang="en-US" dirty="0" smtClean="0"/>
-          </a:p>
-          <a:p>
+              <a:t>System </a:t>
+            </a:r>
             <a:r>
               <a:rPr lang="en-US" dirty="0"/>
-              <a:t>System administrators will </a:t>
-            </a:r>
-            <a:r>
-              <a:rPr lang="en-US" dirty="0" smtClean="0"/>
-              <a:t>have the ability to reset </a:t>
-            </a:r>
-            <a:r>
-              <a:rPr lang="en-US" dirty="0" smtClean="0"/>
-              <a:t>passwords.</a:t>
-            </a:r>
-          </a:p>
-          <a:p>
-            <a:r>
-              <a:rPr lang="en-US" dirty="0" smtClean="0"/>
-              <a:t>System administrators will be able to update physician, patient and experiment administrator account information.</a:t>
-            </a:r>
-            <a:endParaRPr lang="en-US" dirty="0" smtClean="0"/>
-          </a:p>
-          <a:p>
-            <a:r>
-              <a:rPr lang="en-US" dirty="0"/>
-              <a:t>System administrators will </a:t>
-            </a:r>
-            <a:r>
-              <a:rPr lang="en-US" dirty="0" smtClean="0"/>
-              <a:t>not be allowed to view patient health data.</a:t>
-            </a:r>
-          </a:p>
-          <a:p>
+              <a:t>administrators shall not be allowed to view patient health data.</a:t>
+            </a:r>
+          </a:p>
+          <a:p>
+            <a:pPr marL="0" indent="0">
+              <a:buNone/>
+            </a:pPr>
             <a:endParaRPr lang="en-US" dirty="0"/>
           </a:p>
         </p:txBody>
@@ -5828,7 +5841,7 @@
   <a:extraClrSchemeLst/>
   <a:extLst>
     <a:ext uri="{05A4C25C-085E-4340-85A3-A5531E510DB2}">
-      <thm15:themeFamily xmlns:thm15="http://schemas.microsoft.com/office/thememl/2012/main" name="Office Theme" id="{62F939B6-93AF-4DB8-9C6B-D6C7DFDC589F}" vid="{4A3C46E8-61CC-4603-A589-7422A47A8E4A}"/>
+      <thm15:themeFamily xmlns:thm15="http://schemas.microsoft.com/office/thememl/2012/main" xmlns="" name="Office Theme" id="{62F939B6-93AF-4DB8-9C6B-D6C7DFDC589F}" vid="{4A3C46E8-61CC-4603-A589-7422A47A8E4A}"/>
     </a:ext>
   </a:extLst>
 </a:theme>
